--- a/images/theory_analysis/Redux/Redux.pptx
+++ b/images/theory_analysis/Redux/Redux.pptx
@@ -217,7 +217,7 @@
           <a:p>
             <a:fld id="{6CD5550B-26C4-49A9-A5BA-636EF7BE6CE9}" type="datetimeFigureOut">
               <a:rPr lang="ko-KR" altLang="en-US" smtClean="0"/>
-              <a:t>2020-07-06</a:t>
+              <a:t>2020-07-09</a:t>
             </a:fld>
             <a:endParaRPr lang="ko-KR" altLang="en-US"/>
           </a:p>
@@ -663,7 +663,7 @@
           <a:p>
             <a:fld id="{FB30EDBD-1C2D-4C1E-B459-B60219FAB484}" type="datetimeFigureOut">
               <a:rPr lang="ko-KR" altLang="en-US" smtClean="0"/>
-              <a:t>2020-07-06</a:t>
+              <a:t>2020-07-09</a:t>
             </a:fld>
             <a:endParaRPr lang="ko-KR" altLang="en-US"/>
           </a:p>
@@ -826,7 +826,7 @@
           <a:p>
             <a:fld id="{FB30EDBD-1C2D-4C1E-B459-B60219FAB484}" type="datetimeFigureOut">
               <a:rPr lang="ko-KR" altLang="en-US" smtClean="0"/>
-              <a:t>2020-07-06</a:t>
+              <a:t>2020-07-09</a:t>
             </a:fld>
             <a:endParaRPr lang="ko-KR" altLang="en-US"/>
           </a:p>
@@ -999,7 +999,7 @@
           <a:p>
             <a:fld id="{FB30EDBD-1C2D-4C1E-B459-B60219FAB484}" type="datetimeFigureOut">
               <a:rPr lang="ko-KR" altLang="en-US" smtClean="0"/>
-              <a:t>2020-07-06</a:t>
+              <a:t>2020-07-09</a:t>
             </a:fld>
             <a:endParaRPr lang="ko-KR" altLang="en-US"/>
           </a:p>
@@ -1162,7 +1162,7 @@
           <a:p>
             <a:fld id="{FB30EDBD-1C2D-4C1E-B459-B60219FAB484}" type="datetimeFigureOut">
               <a:rPr lang="ko-KR" altLang="en-US" smtClean="0"/>
-              <a:t>2020-07-06</a:t>
+              <a:t>2020-07-09</a:t>
             </a:fld>
             <a:endParaRPr lang="ko-KR" altLang="en-US"/>
           </a:p>
@@ -1402,7 +1402,7 @@
           <a:p>
             <a:fld id="{FB30EDBD-1C2D-4C1E-B459-B60219FAB484}" type="datetimeFigureOut">
               <a:rPr lang="ko-KR" altLang="en-US" smtClean="0"/>
-              <a:t>2020-07-06</a:t>
+              <a:t>2020-07-09</a:t>
             </a:fld>
             <a:endParaRPr lang="ko-KR" altLang="en-US"/>
           </a:p>
@@ -1682,7 +1682,7 @@
           <a:p>
             <a:fld id="{FB30EDBD-1C2D-4C1E-B459-B60219FAB484}" type="datetimeFigureOut">
               <a:rPr lang="ko-KR" altLang="en-US" smtClean="0"/>
-              <a:t>2020-07-06</a:t>
+              <a:t>2020-07-09</a:t>
             </a:fld>
             <a:endParaRPr lang="ko-KR" altLang="en-US"/>
           </a:p>
@@ -2096,7 +2096,7 @@
           <a:p>
             <a:fld id="{FB30EDBD-1C2D-4C1E-B459-B60219FAB484}" type="datetimeFigureOut">
               <a:rPr lang="ko-KR" altLang="en-US" smtClean="0"/>
-              <a:t>2020-07-06</a:t>
+              <a:t>2020-07-09</a:t>
             </a:fld>
             <a:endParaRPr lang="ko-KR" altLang="en-US"/>
           </a:p>
@@ -2208,7 +2208,7 @@
           <a:p>
             <a:fld id="{FB30EDBD-1C2D-4C1E-B459-B60219FAB484}" type="datetimeFigureOut">
               <a:rPr lang="ko-KR" altLang="en-US" smtClean="0"/>
-              <a:t>2020-07-06</a:t>
+              <a:t>2020-07-09</a:t>
             </a:fld>
             <a:endParaRPr lang="ko-KR" altLang="en-US"/>
           </a:p>
@@ -2298,7 +2298,7 @@
           <a:p>
             <a:fld id="{FB30EDBD-1C2D-4C1E-B459-B60219FAB484}" type="datetimeFigureOut">
               <a:rPr lang="ko-KR" altLang="en-US" smtClean="0"/>
-              <a:t>2020-07-06</a:t>
+              <a:t>2020-07-09</a:t>
             </a:fld>
             <a:endParaRPr lang="ko-KR" altLang="en-US"/>
           </a:p>
@@ -2568,7 +2568,7 @@
           <a:p>
             <a:fld id="{FB30EDBD-1C2D-4C1E-B459-B60219FAB484}" type="datetimeFigureOut">
               <a:rPr lang="ko-KR" altLang="en-US" smtClean="0"/>
-              <a:t>2020-07-06</a:t>
+              <a:t>2020-07-09</a:t>
             </a:fld>
             <a:endParaRPr lang="ko-KR" altLang="en-US"/>
           </a:p>
@@ -2815,7 +2815,7 @@
           <a:p>
             <a:fld id="{FB30EDBD-1C2D-4C1E-B459-B60219FAB484}" type="datetimeFigureOut">
               <a:rPr lang="ko-KR" altLang="en-US" smtClean="0"/>
-              <a:t>2020-07-06</a:t>
+              <a:t>2020-07-09</a:t>
             </a:fld>
             <a:endParaRPr lang="ko-KR" altLang="en-US"/>
           </a:p>
@@ -3021,7 +3021,7 @@
           <a:p>
             <a:fld id="{FB30EDBD-1C2D-4C1E-B459-B60219FAB484}" type="datetimeFigureOut">
               <a:rPr lang="ko-KR" altLang="en-US" smtClean="0"/>
-              <a:t>2020-07-06</a:t>
+              <a:t>2020-07-09</a:t>
             </a:fld>
             <a:endParaRPr lang="ko-KR" altLang="en-US"/>
           </a:p>

--- a/images/theory_analysis/Redux/Redux.pptx
+++ b/images/theory_analysis/Redux/Redux.pptx
@@ -217,7 +217,7 @@
           <a:p>
             <a:fld id="{6CD5550B-26C4-49A9-A5BA-636EF7BE6CE9}" type="datetimeFigureOut">
               <a:rPr lang="ko-KR" altLang="en-US" smtClean="0"/>
-              <a:t>2020-07-09</a:t>
+              <a:t>2020-08-06</a:t>
             </a:fld>
             <a:endParaRPr lang="ko-KR" altLang="en-US"/>
           </a:p>
@@ -663,7 +663,7 @@
           <a:p>
             <a:fld id="{FB30EDBD-1C2D-4C1E-B459-B60219FAB484}" type="datetimeFigureOut">
               <a:rPr lang="ko-KR" altLang="en-US" smtClean="0"/>
-              <a:t>2020-07-09</a:t>
+              <a:t>2020-08-06</a:t>
             </a:fld>
             <a:endParaRPr lang="ko-KR" altLang="en-US"/>
           </a:p>
@@ -826,7 +826,7 @@
           <a:p>
             <a:fld id="{FB30EDBD-1C2D-4C1E-B459-B60219FAB484}" type="datetimeFigureOut">
               <a:rPr lang="ko-KR" altLang="en-US" smtClean="0"/>
-              <a:t>2020-07-09</a:t>
+              <a:t>2020-08-06</a:t>
             </a:fld>
             <a:endParaRPr lang="ko-KR" altLang="en-US"/>
           </a:p>
@@ -999,7 +999,7 @@
           <a:p>
             <a:fld id="{FB30EDBD-1C2D-4C1E-B459-B60219FAB484}" type="datetimeFigureOut">
               <a:rPr lang="ko-KR" altLang="en-US" smtClean="0"/>
-              <a:t>2020-07-09</a:t>
+              <a:t>2020-08-06</a:t>
             </a:fld>
             <a:endParaRPr lang="ko-KR" altLang="en-US"/>
           </a:p>
@@ -1162,7 +1162,7 @@
           <a:p>
             <a:fld id="{FB30EDBD-1C2D-4C1E-B459-B60219FAB484}" type="datetimeFigureOut">
               <a:rPr lang="ko-KR" altLang="en-US" smtClean="0"/>
-              <a:t>2020-07-09</a:t>
+              <a:t>2020-08-06</a:t>
             </a:fld>
             <a:endParaRPr lang="ko-KR" altLang="en-US"/>
           </a:p>
@@ -1402,7 +1402,7 @@
           <a:p>
             <a:fld id="{FB30EDBD-1C2D-4C1E-B459-B60219FAB484}" type="datetimeFigureOut">
               <a:rPr lang="ko-KR" altLang="en-US" smtClean="0"/>
-              <a:t>2020-07-09</a:t>
+              <a:t>2020-08-06</a:t>
             </a:fld>
             <a:endParaRPr lang="ko-KR" altLang="en-US"/>
           </a:p>
@@ -1682,7 +1682,7 @@
           <a:p>
             <a:fld id="{FB30EDBD-1C2D-4C1E-B459-B60219FAB484}" type="datetimeFigureOut">
               <a:rPr lang="ko-KR" altLang="en-US" smtClean="0"/>
-              <a:t>2020-07-09</a:t>
+              <a:t>2020-08-06</a:t>
             </a:fld>
             <a:endParaRPr lang="ko-KR" altLang="en-US"/>
           </a:p>
@@ -2096,7 +2096,7 @@
           <a:p>
             <a:fld id="{FB30EDBD-1C2D-4C1E-B459-B60219FAB484}" type="datetimeFigureOut">
               <a:rPr lang="ko-KR" altLang="en-US" smtClean="0"/>
-              <a:t>2020-07-09</a:t>
+              <a:t>2020-08-06</a:t>
             </a:fld>
             <a:endParaRPr lang="ko-KR" altLang="en-US"/>
           </a:p>
@@ -2208,7 +2208,7 @@
           <a:p>
             <a:fld id="{FB30EDBD-1C2D-4C1E-B459-B60219FAB484}" type="datetimeFigureOut">
               <a:rPr lang="ko-KR" altLang="en-US" smtClean="0"/>
-              <a:t>2020-07-09</a:t>
+              <a:t>2020-08-06</a:t>
             </a:fld>
             <a:endParaRPr lang="ko-KR" altLang="en-US"/>
           </a:p>
@@ -2298,7 +2298,7 @@
           <a:p>
             <a:fld id="{FB30EDBD-1C2D-4C1E-B459-B60219FAB484}" type="datetimeFigureOut">
               <a:rPr lang="ko-KR" altLang="en-US" smtClean="0"/>
-              <a:t>2020-07-09</a:t>
+              <a:t>2020-08-06</a:t>
             </a:fld>
             <a:endParaRPr lang="ko-KR" altLang="en-US"/>
           </a:p>
@@ -2568,7 +2568,7 @@
           <a:p>
             <a:fld id="{FB30EDBD-1C2D-4C1E-B459-B60219FAB484}" type="datetimeFigureOut">
               <a:rPr lang="ko-KR" altLang="en-US" smtClean="0"/>
-              <a:t>2020-07-09</a:t>
+              <a:t>2020-08-06</a:t>
             </a:fld>
             <a:endParaRPr lang="ko-KR" altLang="en-US"/>
           </a:p>
@@ -2815,7 +2815,7 @@
           <a:p>
             <a:fld id="{FB30EDBD-1C2D-4C1E-B459-B60219FAB484}" type="datetimeFigureOut">
               <a:rPr lang="ko-KR" altLang="en-US" smtClean="0"/>
-              <a:t>2020-07-09</a:t>
+              <a:t>2020-08-06</a:t>
             </a:fld>
             <a:endParaRPr lang="ko-KR" altLang="en-US"/>
           </a:p>
@@ -3021,7 +3021,7 @@
           <a:p>
             <a:fld id="{FB30EDBD-1C2D-4C1E-B459-B60219FAB484}" type="datetimeFigureOut">
               <a:rPr lang="ko-KR" altLang="en-US" smtClean="0"/>
-              <a:t>2020-07-09</a:t>
+              <a:t>2020-08-06</a:t>
             </a:fld>
             <a:endParaRPr lang="ko-KR" altLang="en-US"/>
           </a:p>
@@ -4421,7 +4421,7 @@
             <a:pPr algn="ctr"/>
             <a:r>
               <a:rPr lang="en-US" altLang="ko-KR" sz="1200"/>
-              <a:t>MiddleWare</a:t>
+              <a:t>Middleware</a:t>
             </a:r>
             <a:endParaRPr lang="en-US" altLang="ko-KR" sz="1000"/>
           </a:p>
